--- a/Documents/Poster (James Tang).pptx
+++ b/Documents/Poster (James Tang).pptx
@@ -169,6 +169,10 @@
     </p:ext>
   </p:extLst>
 </p:presentation>
+</file>
+
+<file path=ppt/revisionInfo.xml><?xml version="1.0" encoding="utf-8"?>
+<p1510:revInfo xmlns:a="http://schemas.openxmlformats.org/drawingml/2006/main" xmlns:r="http://schemas.openxmlformats.org/officeDocument/2006/relationships" xmlns:p1510="http://schemas.microsoft.com/office/powerpoint/2015/10/main"/>
 </file>
 
 <file path=ppt/handoutMasters/handoutMaster1.xml><?xml version="1.0" encoding="utf-8"?>
@@ -4058,33 +4062,8 @@
             </a:pPr>
             <a:r>
               <a:rPr lang="en-GB" altLang="en-US" b="1" dirty="0"/>
-              <a:t>	The Virtual Tour of </a:t>
-            </a:r>
-            <a:r>
-              <a:rPr lang="en-GB" altLang="en-US" b="1" dirty="0" err="1"/>
-              <a:t>Whiteknight</a:t>
-            </a:r>
-            <a:r>
-              <a:rPr lang="en-GB" altLang="en-US" b="1" dirty="0"/>
-              <a:t> Campus is an Android application, which allows users to explore a part of </a:t>
-            </a:r>
-            <a:r>
-              <a:rPr lang="en-GB" altLang="en-US" b="1" dirty="0" err="1"/>
-              <a:t>whiteknights</a:t>
-            </a:r>
-            <a:r>
-              <a:rPr lang="en-GB" altLang="en-US" b="1" dirty="0"/>
-              <a:t> campus using a teleportation based movement. The campus has been built using unity and runs on Nougat Android phones </a:t>
-            </a:r>
-            <a:r>
-              <a:rPr lang="en-GB" altLang="en-US" b="1"/>
-              <a:t>or higher.</a:t>
-            </a:r>
-            <a:endParaRPr lang="en-GB" altLang="en-US" sz="4100" b="1" dirty="0">
-              <a:solidFill>
-                <a:schemeClr val="tx2"/>
-              </a:solidFill>
-            </a:endParaRPr>
+              <a:t>	The Virtual Tour of Whiteknights Campus is an Android application, which allows users to explore a part of Whiteknights campus using a teleportation based movement. The campus has been built using unity and runs on Nougat Android phones or higher.</a:t>
+            </a:r>
           </a:p>
           <a:p>
             <a:pPr eaLnBrk="1" hangingPunct="1">
@@ -4097,7 +4076,43 @@
                   <a:schemeClr val="tx2"/>
                 </a:solidFill>
               </a:rPr>
-              <a:t>	Objectives</a:t>
+              <a:t>	</a:t>
+            </a:r>
+            <a:r>
+              <a:rPr lang="en-GB" altLang="en-US" b="1" dirty="0"/>
+              <a:t>The android application has been built using Unity and the models of the building was created using SketchUp and users are free to explore a part of </a:t>
+            </a:r>
+            <a:r>
+              <a:rPr lang="en-GB" altLang="en-US" b="1" dirty="0" err="1"/>
+              <a:t>WhiteKnights</a:t>
+            </a:r>
+            <a:r>
+              <a:rPr lang="en-GB" altLang="en-US" b="1" dirty="0"/>
+              <a:t> campus.</a:t>
+            </a:r>
+          </a:p>
+          <a:p>
+            <a:pPr eaLnBrk="1" hangingPunct="1">
+              <a:buFontTx/>
+              <a:buNone/>
+            </a:pPr>
+            <a:r>
+              <a:rPr lang="en-GB" altLang="en-US" b="1" dirty="0"/>
+              <a:t>	This project helps users who wish to come to University of Reading and may be unable to attend an open day, so they can download this app and then explore campus in Virtual Reality.</a:t>
+            </a:r>
+          </a:p>
+          <a:p>
+            <a:pPr eaLnBrk="1" hangingPunct="1">
+              <a:buFontTx/>
+              <a:buNone/>
+            </a:pPr>
+            <a:r>
+              <a:rPr lang="en-GB" altLang="en-US" sz="4100" b="1" dirty="0">
+                <a:solidFill>
+                  <a:schemeClr val="tx2"/>
+                </a:solidFill>
+              </a:rPr>
+              <a:t>	Features</a:t>
             </a:r>
             <a:endParaRPr lang="en-GB" altLang="en-US" b="1" dirty="0">
               <a:solidFill>
@@ -4112,7 +4127,15 @@
             </a:pPr>
             <a:r>
               <a:rPr lang="en-GB" altLang="en-US" dirty="0"/>
-              <a:t>	The heading above is not part of the default formatting options on the master page of this file. This is because PowerPoint has no concept of multiple ‘headings’ on a page. When you type text into this template, it will only ever insert bullet points. To address this issue, we have created three levels of heading in the text box on the far right of the poster. You can copy and paste these into your main text box to break up your copy into sections. </a:t>
+              <a:t>	The features of the Virtual Tour of campus is to provide users with the ability to explore campus in a virtual reality environment. Users can explore a part of </a:t>
+            </a:r>
+            <a:r>
+              <a:rPr lang="en-GB" altLang="en-US" dirty="0" err="1"/>
+              <a:t>WhiteKnights</a:t>
+            </a:r>
+            <a:r>
+              <a:rPr lang="en-GB" altLang="en-US" dirty="0"/>
+              <a:t> Campus by teleporting to an location where the user specifies, by holding down a button to show an indicator and then letting go once the user has chosen a location to be instantly teleported.</a:t>
             </a:r>
           </a:p>
           <a:p>
@@ -4121,46 +4144,8 @@
               <a:buNone/>
             </a:pPr>
             <a:r>
-              <a:rPr lang="en-GB" altLang="en-US" b="1" dirty="0"/>
-              <a:t>	Important: </a:t>
-            </a:r>
-            <a:r>
               <a:rPr lang="en-GB" altLang="en-US" dirty="0"/>
-              <a:t>When you paste a heading into your text, a small icon will appear next to it. Click on this icon to view a short list of options. Always choose ‘</a:t>
-            </a:r>
-            <a:r>
-              <a:rPr lang="en-GB" altLang="en-US" b="1" dirty="0">
-                <a:solidFill>
-                  <a:schemeClr val="tx2"/>
-                </a:solidFill>
-              </a:rPr>
-              <a:t>Keep Source Formatting</a:t>
-            </a:r>
-            <a:r>
-              <a:rPr lang="en-GB" altLang="en-US" dirty="0"/>
-              <a:t>’ to maintain to correct size and style of the Heading you are pasting in. Also, remember that, just like other text in PowerPoint, you will need to insert a ‘Tab’ character before the first word of your heading in order for it to line up correctly.</a:t>
-            </a:r>
-            <a:endParaRPr lang="en-GB" altLang="en-US" b="1" dirty="0"/>
-          </a:p>
-          <a:p>
-            <a:pPr eaLnBrk="1" hangingPunct="1">
-              <a:lnSpc>
-                <a:spcPct val="105000"/>
-              </a:lnSpc>
-              <a:spcBef>
-                <a:spcPct val="90000"/>
-              </a:spcBef>
-              <a:buClrTx/>
-              <a:buFontTx/>
-              <a:buNone/>
-            </a:pPr>
-            <a:r>
-              <a:rPr lang="en-GB" altLang="en-US" sz="3300" b="1" dirty="0">
-                <a:solidFill>
-                  <a:schemeClr val="tx2"/>
-                </a:solidFill>
-              </a:rPr>
-              <a:t>	Implementation</a:t>
+              <a:t>	Another feature of the application is that the user can learn more about the backstory of each building by walking up towards it and pressing an button to hear an audio clip about the backstory of this building.</a:t>
             </a:r>
           </a:p>
           <a:p>
@@ -4173,88 +4158,46 @@
               <a:t>	</a:t>
             </a:r>
             <a:r>
+              <a:rPr lang="en-GB" altLang="en-US" sz="3300" b="1" dirty="0">
+                <a:solidFill>
+                  <a:schemeClr val="tx2"/>
+                </a:solidFill>
+              </a:rPr>
+              <a:t>Implementation</a:t>
+            </a:r>
+          </a:p>
+          <a:p>
+            <a:pPr eaLnBrk="1" hangingPunct="1">
+              <a:buNone/>
+            </a:pPr>
+            <a:r>
+              <a:rPr lang="en-GB" altLang="en-US" b="1" dirty="0"/>
+              <a:t>	</a:t>
+            </a:r>
+            <a:r>
               <a:rPr lang="en-GB" altLang="en-US" dirty="0"/>
-              <a:t>This text is another ‘normal’ paragraph, and can follow any of the heading levels.</a:t>
-            </a:r>
-          </a:p>
-          <a:p>
-            <a:pPr eaLnBrk="1" hangingPunct="1">
-              <a:lnSpc>
-                <a:spcPct val="105000"/>
-              </a:lnSpc>
-              <a:spcBef>
-                <a:spcPct val="90000"/>
-              </a:spcBef>
-              <a:buClrTx/>
-              <a:buFontTx/>
-              <a:buNone/>
-            </a:pPr>
+              <a:t>The way the program is meant to be implemented is that University of Reading Open days members can bring a phone with an virtual reality headset to open days (Such as in colleges or at schools) To promote the campus and why they should study at university and ultimately study at University of Reading. Alternatively</a:t>
+            </a:r>
             <a:r>
               <a:rPr lang="en-GB" altLang="en-US" b="1" dirty="0">
                 <a:solidFill>
                   <a:schemeClr val="tx2"/>
                 </a:solidFill>
               </a:rPr>
-              <a:t>This is heading 3, deliberately misaligned (</a:t>
-            </a:r>
-            <a:r>
-              <a:rPr lang="en-GB" altLang="en-US" b="1" dirty="0" err="1">
-                <a:solidFill>
-                  <a:schemeClr val="tx2"/>
-                </a:solidFill>
-              </a:rPr>
-              <a:t>ie</a:t>
-            </a:r>
-            <a:r>
-              <a:rPr lang="en-GB" altLang="en-US" b="1" dirty="0">
-                <a:solidFill>
-                  <a:schemeClr val="tx2"/>
-                </a:solidFill>
-              </a:rPr>
-              <a:t> without a ‘Tab’ character before it). Notice that the second line is indented correctly, but the first line is wrong</a:t>
-            </a:r>
-          </a:p>
-          <a:p>
-            <a:pPr eaLnBrk="1" hangingPunct="1">
-              <a:lnSpc>
-                <a:spcPct val="105000"/>
-              </a:lnSpc>
-              <a:spcBef>
-                <a:spcPct val="90000"/>
-              </a:spcBef>
-              <a:buClrTx/>
-              <a:buFontTx/>
-              <a:buNone/>
-            </a:pPr>
-            <a:r>
-              <a:rPr lang="en-GB" altLang="en-US" b="1" dirty="0">
-                <a:solidFill>
-                  <a:schemeClr val="tx2"/>
-                </a:solidFill>
-              </a:rPr>
-              <a:t>	This is heading 3 as it should look</a:t>
-            </a:r>
-          </a:p>
-          <a:p>
-            <a:pPr eaLnBrk="1" hangingPunct="1">
-              <a:lnSpc>
-                <a:spcPct val="105000"/>
-              </a:lnSpc>
-              <a:spcBef>
-                <a:spcPct val="90000"/>
-              </a:spcBef>
-              <a:buClrTx/>
-              <a:buFontTx/>
-              <a:buNone/>
-            </a:pPr>
-            <a:endParaRPr lang="en-GB" altLang="en-US" b="1" dirty="0">
-              <a:solidFill>
-                <a:schemeClr val="tx2"/>
-              </a:solidFill>
-            </a:endParaRPr>
-          </a:p>
-          <a:p>
-            <a:pPr eaLnBrk="1" hangingPunct="1"/>
+              <a:t> </a:t>
+            </a:r>
+            <a:r>
+              <a:rPr lang="en-GB" altLang="en-US" dirty="0"/>
+              <a:t>users can install the application on their phones to explore a virtual version of </a:t>
+            </a:r>
+            <a:r>
+              <a:rPr lang="en-GB" altLang="en-US" dirty="0" err="1"/>
+              <a:t>WhiteKnights</a:t>
+            </a:r>
+            <a:r>
+              <a:rPr lang="en-GB" altLang="en-US"/>
+              <a:t> campus.</a:t>
+            </a:r>
             <a:endParaRPr lang="en-GB" altLang="en-US" dirty="0"/>
           </a:p>
         </p:txBody>
@@ -4498,7 +4441,7 @@
                   <a:schemeClr val="tx2"/>
                 </a:solidFill>
               </a:rPr>
-              <a:t>	Applications</a:t>
+              <a:t>	Objectives</a:t>
             </a:r>
           </a:p>
           <a:p>
@@ -4508,100 +4451,99 @@
             </a:pPr>
             <a:r>
               <a:rPr lang="en-GB" altLang="en-US" dirty="0"/>
-              <a:t>	This paragraph is a bullet point with the bullet deleted, but it is recommended that research posters use bullets whenever appropriate to help simply complex arguments or theories.</a:t>
-            </a:r>
-          </a:p>
-          <a:p>
-            <a:pPr eaLnBrk="1" hangingPunct="1"/>
+              <a:t>	The objectives of Virtual Tour of </a:t>
+            </a:r>
+            <a:r>
+              <a:rPr lang="en-GB" altLang="en-US" dirty="0" err="1"/>
+              <a:t>WhiteKnights</a:t>
+            </a:r>
             <a:r>
               <a:rPr lang="en-GB" altLang="en-US" dirty="0"/>
-              <a:t>This text is identical to the above, but  we have clicked the ‘Bullets’ button in the tool bar to make it a bullet. However, a bullet that sits outside the normal left margin of the text is a bit strange. It is usually better to indent all bullets to at least level 2 of the hierarchy.</a:t>
+              <a:t> Campus are:</a:t>
             </a:r>
           </a:p>
           <a:p>
             <a:pPr lvl="1" eaLnBrk="1" hangingPunct="1"/>
             <a:r>
               <a:rPr lang="en-GB" altLang="en-US" dirty="0"/>
-              <a:t>This one is the same as the above, but we have clicked the ‘Increase indent’ button to increase the level of the bullet.</a:t>
-            </a:r>
-          </a:p>
-          <a:p>
-            <a:pPr lvl="2" eaLnBrk="1" hangingPunct="1"/>
+              <a:t>Provide users with an comfortable experience of Virtual Reality (Allowing to explore campus at their own pace).</a:t>
+            </a:r>
+          </a:p>
+          <a:p>
+            <a:pPr lvl="1" eaLnBrk="1" hangingPunct="1"/>
             <a:r>
               <a:rPr lang="en-GB" altLang="en-US" dirty="0"/>
-              <a:t>You can also increase the indent by hitting the tab key</a:t>
-            </a:r>
-          </a:p>
-          <a:p>
-            <a:pPr lvl="2" eaLnBrk="1" hangingPunct="1">
-              <a:buFontTx/>
-              <a:buAutoNum type="arabicPeriod"/>
+              <a:t>Learn about the history of each building in </a:t>
+            </a:r>
+            <a:r>
+              <a:rPr lang="en-GB" altLang="en-US" dirty="0" err="1"/>
+              <a:t>WhiteKnight</a:t>
+            </a:r>
+            <a:r>
+              <a:rPr lang="en-GB" altLang="en-US" dirty="0"/>
+              <a:t> Campus.</a:t>
+            </a:r>
+          </a:p>
+          <a:p>
+            <a:pPr lvl="1" eaLnBrk="1" hangingPunct="1"/>
+            <a:r>
+              <a:rPr lang="en-GB" altLang="en-US" dirty="0"/>
+              <a:t>The App itself should be able to be installed on all phones running Android Nougat or higher and should provide smooth framerates and response no matter the hardware.</a:t>
+            </a:r>
+          </a:p>
+          <a:p>
+            <a:pPr eaLnBrk="1" hangingPunct="1">
+              <a:buNone/>
             </a:pPr>
             <a:r>
+              <a:rPr lang="en-GB" altLang="en-US" sz="2800" b="1" dirty="0">
+                <a:solidFill>
+                  <a:schemeClr val="tx2"/>
+                </a:solidFill>
+              </a:rPr>
+              <a:t>	What parts of campus is covered?</a:t>
+            </a:r>
+          </a:p>
+          <a:p>
+            <a:pPr eaLnBrk="1" hangingPunct="1">
+              <a:buNone/>
+            </a:pPr>
+            <a:r>
+              <a:rPr lang="en-GB" altLang="en-US" sz="2800" b="1" dirty="0">
+                <a:solidFill>
+                  <a:schemeClr val="tx2"/>
+                </a:solidFill>
+              </a:rPr>
+              <a:t>	</a:t>
+            </a:r>
+            <a:r>
               <a:rPr lang="en-GB" altLang="en-US" dirty="0"/>
-              <a:t>On this one, we have clicked the ‘Numbering’ button in the formatting toolbar.</a:t>
-            </a:r>
-          </a:p>
-          <a:p>
-            <a:pPr lvl="2" eaLnBrk="1" hangingPunct="1">
-              <a:buFontTx/>
-              <a:buAutoNum type="arabicPeriod"/>
-            </a:pPr>
+              <a:t>Users can explore a part of </a:t>
+            </a:r>
+            <a:r>
+              <a:rPr lang="en-GB" altLang="en-US" dirty="0" err="1"/>
+              <a:t>WhiteKnight</a:t>
+            </a:r>
             <a:r>
               <a:rPr lang="en-GB" altLang="en-US" dirty="0"/>
-              <a:t>This generates a numbered list instead of bullets.</a:t>
-            </a:r>
-          </a:p>
-          <a:p>
-            <a:pPr lvl="3" eaLnBrk="1" hangingPunct="1">
-              <a:buFontTx/>
-              <a:buAutoNum type="arabicPeriod"/>
-            </a:pPr>
+              <a:t> campus, they can explore the main areas of campus from the Palmer building up to the </a:t>
+            </a:r>
+            <a:r>
+              <a:rPr lang="en-GB" altLang="en-US" dirty="0" err="1"/>
+              <a:t>Urs</a:t>
+            </a:r>
             <a:r>
               <a:rPr lang="en-GB" altLang="en-US" dirty="0"/>
-              <a:t>You can also nest numbers by pressing the ‘Tab’ key</a:t>
-            </a:r>
-          </a:p>
-          <a:p>
-            <a:pPr lvl="3" eaLnBrk="1" hangingPunct="1">
-              <a:buFontTx/>
-              <a:buAutoNum type="arabicPeriod"/>
-            </a:pPr>
+              <a:t> building. They can also explore around the </a:t>
+            </a:r>
+            <a:r>
+              <a:rPr lang="en-GB" altLang="en-US" dirty="0" err="1"/>
+              <a:t>WhiteKnight</a:t>
+            </a:r>
             <a:r>
               <a:rPr lang="en-GB" altLang="en-US" dirty="0"/>
-              <a:t>Another example.</a:t>
-            </a:r>
-          </a:p>
-          <a:p>
-            <a:pPr lvl="1" eaLnBrk="1" hangingPunct="1"/>
-            <a:r>
-              <a:rPr lang="en-GB" altLang="en-US" dirty="0"/>
-              <a:t>Use the ‘Decrease Indent’ button to return back up the hierarchy.</a:t>
-            </a:r>
-          </a:p>
-          <a:p>
-            <a:pPr eaLnBrk="1" hangingPunct="1">
-              <a:buFontTx/>
-              <a:buNone/>
-            </a:pPr>
-            <a:r>
-              <a:rPr lang="en-GB" altLang="en-US" dirty="0"/>
-              <a:t>	This paragraph of text is in fact a bullet point. By putting the cursor immediately before the first word in a bullet point, you can press ‘Backspace’ and then the ‘Tab’ key to remove the bullet and align the paragraph correctly. This is the only way.</a:t>
-            </a:r>
-          </a:p>
-          <a:p>
-            <a:pPr eaLnBrk="1" hangingPunct="1">
-              <a:buNone/>
-            </a:pPr>
-            <a:r>
-              <a:rPr lang="en-GB" altLang="en-US" sz="2800" b="1" dirty="0">
-                <a:solidFill>
-                  <a:schemeClr val="tx2"/>
-                </a:solidFill>
-              </a:rPr>
-              <a:t>What parts of campus is covered?</a:t>
-            </a:r>
-            <a:endParaRPr lang="en-GB" altLang="en-US" dirty="0"/>
+              <a:t> Lake as well, if they wish to.</a:t>
+            </a:r>
           </a:p>
           <a:p>
             <a:pPr>
@@ -4676,8 +4618,8 @@
         </p:nvSpPr>
         <p:spPr bwMode="auto">
           <a:xfrm>
-            <a:off x="11377613" y="24969788"/>
-            <a:ext cx="9253537" cy="2665412"/>
+            <a:off x="11377613" y="26571303"/>
+            <a:ext cx="9253537" cy="1534591"/>
           </a:xfrm>
           <a:prstGeom prst="rect">
             <a:avLst/>
@@ -4822,90 +4764,6 @@
                 </a:solidFill>
               </a:rPr>
               <a:t>References</a:t>
-            </a:r>
-          </a:p>
-          <a:p>
-            <a:pPr>
-              <a:lnSpc>
-                <a:spcPct val="125000"/>
-              </a:lnSpc>
-              <a:spcBef>
-                <a:spcPct val="30000"/>
-              </a:spcBef>
-              <a:buClr>
-                <a:schemeClr val="tx2"/>
-              </a:buClr>
-              <a:buFontTx/>
-              <a:buAutoNum type="arabicPeriod"/>
-              <a:defRPr/>
-            </a:pPr>
-            <a:r>
-              <a:rPr lang="en-GB" altLang="en-US" dirty="0"/>
-              <a:t>Author’s </a:t>
-            </a:r>
-            <a:r>
-              <a:rPr lang="en-GB" altLang="en-US" sz="1600" dirty="0"/>
-              <a:t>name, </a:t>
-            </a:r>
-            <a:r>
-              <a:rPr lang="en-GB" altLang="en-US" sz="1600" i="1" dirty="0"/>
-              <a:t>Book title</a:t>
-            </a:r>
-            <a:r>
-              <a:rPr lang="en-GB" altLang="en-US" sz="1600" dirty="0"/>
-              <a:t>, (Publisher: Year) pp. XX-YY</a:t>
-            </a:r>
-          </a:p>
-          <a:p>
-            <a:pPr>
-              <a:lnSpc>
-                <a:spcPct val="125000"/>
-              </a:lnSpc>
-              <a:spcBef>
-                <a:spcPct val="30000"/>
-              </a:spcBef>
-              <a:buClr>
-                <a:schemeClr val="tx2"/>
-              </a:buClr>
-              <a:buFontTx/>
-              <a:buAutoNum type="arabicPeriod"/>
-              <a:defRPr/>
-            </a:pPr>
-            <a:r>
-              <a:rPr lang="en-GB" altLang="en-US" sz="1600" dirty="0"/>
-              <a:t>Author’s name, ‘Article title’, </a:t>
-            </a:r>
-            <a:r>
-              <a:rPr lang="en-GB" altLang="en-US" sz="1600" i="1" dirty="0"/>
-              <a:t>Journal title, </a:t>
-            </a:r>
-            <a:r>
-              <a:rPr lang="en-GB" altLang="en-US" sz="1600" dirty="0"/>
-              <a:t>publication info, pp. AA-BB</a:t>
-            </a:r>
-          </a:p>
-          <a:p>
-            <a:pPr>
-              <a:lnSpc>
-                <a:spcPct val="125000"/>
-              </a:lnSpc>
-              <a:spcBef>
-                <a:spcPct val="30000"/>
-              </a:spcBef>
-              <a:buClr>
-                <a:schemeClr val="tx2"/>
-              </a:buClr>
-              <a:buFontTx/>
-              <a:buAutoNum type="arabicPeriod"/>
-              <a:defRPr/>
-            </a:pPr>
-            <a:r>
-              <a:rPr lang="en-GB" altLang="en-US" sz="1600" dirty="0"/>
-              <a:t>Researcher’s name</a:t>
-            </a:r>
-            <a:r>
-              <a:rPr lang="en-GB" altLang="en-US" dirty="0"/>
-              <a:t>, Institution</a:t>
             </a:r>
           </a:p>
           <a:p>

--- a/Documents/Poster (James Tang).pptx
+++ b/Documents/Poster (James Tang).pptx
@@ -4098,7 +4098,15 @@
             </a:pPr>
             <a:r>
               <a:rPr lang="en-GB" altLang="en-US" b="1" dirty="0"/>
-              <a:t>	This project helps users who wish to come to University of Reading and may be unable to attend an open day, so they can download this app and then explore campus in Virtual Reality.</a:t>
+              <a:t>	This project helps users who wish to come to University of </a:t>
+            </a:r>
+            <a:r>
+              <a:rPr lang="en-GB" altLang="en-US" b="1"/>
+              <a:t>Reading but </a:t>
+            </a:r>
+            <a:r>
+              <a:rPr lang="en-GB" altLang="en-US" b="1" dirty="0"/>
+              <a:t>may be unable to attend an open day, so they can download this app and then explore campus in Virtual Reality.</a:t>
             </a:r>
           </a:p>
           <a:p>
@@ -4176,7 +4184,15 @@
             </a:r>
             <a:r>
               <a:rPr lang="en-GB" altLang="en-US" dirty="0"/>
-              <a:t>The way the program is meant to be implemented is that University of Reading Open days members can bring a phone with an virtual reality headset to open days (Such as in colleges or at schools) To promote the campus and why they should study at university and ultimately study at University of Reading. Alternatively</a:t>
+              <a:t>The way the program is meant to be implemented is that University of Reading Open days member can bring a android phone with an virtual reality headset to open days (Such as in colleges or at schools) To promote the </a:t>
+            </a:r>
+            <a:r>
+              <a:rPr lang="en-GB" altLang="en-US" dirty="0" err="1"/>
+              <a:t>WhiteKnights</a:t>
+            </a:r>
+            <a:r>
+              <a:rPr lang="en-GB" altLang="en-US" dirty="0"/>
+              <a:t> campus and why they should study at university and ultimately study at University of Reading. Alternatively</a:t>
             </a:r>
             <a:r>
               <a:rPr lang="en-GB" altLang="en-US" b="1" dirty="0">
@@ -4188,17 +4204,16 @@
             </a:r>
             <a:r>
               <a:rPr lang="en-GB" altLang="en-US" dirty="0"/>
-              <a:t>users can install the application on their phones to explore a virtual version of </a:t>
+              <a:t>users can install the application on their android phones through the Google Play Store (Or on the University of Reading Website if it is not possible), to explore a virtual version of </a:t>
             </a:r>
             <a:r>
               <a:rPr lang="en-GB" altLang="en-US" dirty="0" err="1"/>
               <a:t>WhiteKnights</a:t>
             </a:r>
             <a:r>
-              <a:rPr lang="en-GB" altLang="en-US"/>
-              <a:t> campus.</a:t>
-            </a:r>
-            <a:endParaRPr lang="en-GB" altLang="en-US" dirty="0"/>
+              <a:rPr lang="en-GB" altLang="en-US" dirty="0"/>
+              <a:t> campus with Guided tours if they are unable to come to any open days for any reason.</a:t>
+            </a:r>
           </a:p>
         </p:txBody>
       </p:sp>
@@ -4477,7 +4492,7 @@
             </a:r>
             <a:r>
               <a:rPr lang="en-GB" altLang="en-US" dirty="0" err="1"/>
-              <a:t>WhiteKnight</a:t>
+              <a:t>WhiteKnights</a:t>
             </a:r>
             <a:r>
               <a:rPr lang="en-GB" altLang="en-US" dirty="0"/>
@@ -4522,7 +4537,7 @@
             </a:r>
             <a:r>
               <a:rPr lang="en-GB" altLang="en-US" dirty="0" err="1"/>
-              <a:t>WhiteKnight</a:t>
+              <a:t>WhiteKnights</a:t>
             </a:r>
             <a:r>
               <a:rPr lang="en-GB" altLang="en-US" dirty="0"/>
@@ -4538,7 +4553,7 @@
             </a:r>
             <a:r>
               <a:rPr lang="en-GB" altLang="en-US" dirty="0" err="1"/>
-              <a:t>WhiteKnight</a:t>
+              <a:t>WhiteKnights</a:t>
             </a:r>
             <a:r>
               <a:rPr lang="en-GB" altLang="en-US" dirty="0"/>
@@ -4599,6 +4614,51 @@
               <a:buNone/>
             </a:pPr>
             <a:endParaRPr lang="en-GB" altLang="en-US" dirty="0"/>
+          </a:p>
+          <a:p>
+            <a:pPr eaLnBrk="1" hangingPunct="1">
+              <a:buFontTx/>
+              <a:buNone/>
+            </a:pPr>
+            <a:endParaRPr lang="en-GB" altLang="en-US" dirty="0"/>
+          </a:p>
+          <a:p>
+            <a:pPr eaLnBrk="1" hangingPunct="1">
+              <a:buFontTx/>
+              <a:buNone/>
+            </a:pPr>
+            <a:endParaRPr lang="en-GB" altLang="en-US" dirty="0"/>
+          </a:p>
+          <a:p>
+            <a:pPr eaLnBrk="1" hangingPunct="1">
+              <a:buFontTx/>
+              <a:buNone/>
+            </a:pPr>
+            <a:endParaRPr lang="en-GB" altLang="en-US" dirty="0"/>
+          </a:p>
+          <a:p>
+            <a:pPr eaLnBrk="1" hangingPunct="1">
+              <a:buFontTx/>
+              <a:buNone/>
+            </a:pPr>
+            <a:endParaRPr lang="en-GB" altLang="en-US" dirty="0"/>
+          </a:p>
+          <a:p>
+            <a:pPr eaLnBrk="1" hangingPunct="1">
+              <a:buFontTx/>
+              <a:buNone/>
+            </a:pPr>
+            <a:endParaRPr lang="en-GB" altLang="en-US" dirty="0"/>
+          </a:p>
+          <a:p>
+            <a:pPr eaLnBrk="1" hangingPunct="1">
+              <a:buFontTx/>
+              <a:buNone/>
+            </a:pPr>
+            <a:r>
+              <a:rPr lang="en-GB" altLang="en-US" dirty="0"/>
+              <a:t>	</a:t>
+            </a:r>
           </a:p>
         </p:txBody>
       </p:sp>
@@ -4618,8 +4678,8 @@
         </p:nvSpPr>
         <p:spPr bwMode="auto">
           <a:xfrm>
-            <a:off x="11377613" y="26571303"/>
-            <a:ext cx="9253537" cy="1534591"/>
+            <a:off x="575468" y="26571303"/>
+            <a:ext cx="9253537" cy="1320687"/>
           </a:xfrm>
           <a:prstGeom prst="rect">
             <a:avLst/>
@@ -4774,36 +4834,38 @@
               <a:defRPr/>
             </a:pPr>
             <a:r>
-              <a:rPr lang="en-GB" altLang="en-US" sz="1900" b="1" dirty="0">
+              <a:rPr lang="en-GB" altLang="en-US" sz="1600" b="1" dirty="0">
                 <a:solidFill>
                   <a:schemeClr val="tx2"/>
                 </a:solidFill>
+                <a:hlinkClick r:id="rId2"/>
               </a:rPr>
-              <a:t>Acknowledgements</a:t>
-            </a:r>
-          </a:p>
-          <a:p>
-            <a:pPr marL="0" indent="0">
-              <a:lnSpc>
-                <a:spcPct val="125000"/>
-              </a:lnSpc>
-              <a:spcBef>
-                <a:spcPct val="30000"/>
-              </a:spcBef>
-              <a:buClr>
-                <a:schemeClr val="tx2"/>
-              </a:buClr>
-              <a:defRPr/>
-            </a:pPr>
-            <a:r>
-              <a:rPr lang="en-GB" altLang="en-US" sz="1600" dirty="0"/>
-              <a:t>List here anyone you would like to thank.</a:t>
-            </a:r>
-            <a:endParaRPr lang="en-GB" altLang="en-US" sz="1600" b="1" dirty="0">
-              <a:solidFill>
-                <a:schemeClr val="tx2"/>
-              </a:solidFill>
-            </a:endParaRPr>
+              <a:t>https://www.reading.ac.uk/web/files/whiteknights-campus-map-and-keys-2016.pdf</a:t>
+            </a:r>
+            <a:r>
+              <a:rPr lang="en-GB" altLang="en-US" sz="1600" b="1" dirty="0">
+                <a:solidFill>
+                  <a:schemeClr val="tx2"/>
+                </a:solidFill>
+              </a:rPr>
+              <a:t> - Map of </a:t>
+            </a:r>
+            <a:r>
+              <a:rPr lang="en-GB" altLang="en-US" sz="1600" b="1" dirty="0" err="1">
+                <a:solidFill>
+                  <a:schemeClr val="tx2"/>
+                </a:solidFill>
+              </a:rPr>
+              <a:t>WhiteKnights</a:t>
+            </a:r>
+            <a:r>
+              <a:rPr lang="en-GB" altLang="en-US" sz="1600" b="1" dirty="0">
+                <a:solidFill>
+                  <a:schemeClr val="tx2"/>
+                </a:solidFill>
+              </a:rPr>
+              <a:t> Campus</a:t>
+            </a:r>
           </a:p>
         </p:txBody>
       </p:sp>
@@ -4823,7 +4885,7 @@
         </p:nvSpPr>
         <p:spPr bwMode="auto">
           <a:xfrm>
-            <a:off x="11377613" y="28754388"/>
+            <a:off x="585013" y="28754388"/>
             <a:ext cx="9253537" cy="965200"/>
           </a:xfrm>
           <a:prstGeom prst="rect">
@@ -4987,6 +5049,144 @@
             <a:r>
               <a:rPr lang="en-GB" altLang="en-US" dirty="0"/>
               <a:t>BSc Computer Science / BSc Information Technology</a:t>
+            </a:r>
+          </a:p>
+        </p:txBody>
+      </p:sp>
+      <p:pic>
+        <p:nvPicPr>
+          <p:cNvPr id="2" name="Picture 1">
+            <a:extLst>
+              <a:ext uri="{FF2B5EF4-FFF2-40B4-BE49-F238E27FC236}">
+                <a16:creationId xmlns:a16="http://schemas.microsoft.com/office/drawing/2014/main" id="{C5D2BFA0-8192-41B9-B5AB-493F126D2712}"/>
+              </a:ext>
+            </a:extLst>
+          </p:cNvPr>
+          <p:cNvPicPr>
+            <a:picLocks noChangeAspect="1"/>
+          </p:cNvPicPr>
+          <p:nvPr/>
+        </p:nvPicPr>
+        <p:blipFill>
+          <a:blip r:embed="rId3"/>
+          <a:stretch>
+            <a:fillRect/>
+          </a:stretch>
+        </p:blipFill>
+        <p:spPr>
+          <a:xfrm>
+            <a:off x="11388095" y="14347899"/>
+            <a:ext cx="8221209" cy="5686237"/>
+          </a:xfrm>
+          <a:prstGeom prst="rect">
+            <a:avLst/>
+          </a:prstGeom>
+        </p:spPr>
+      </p:pic>
+      <p:sp>
+        <p:nvSpPr>
+          <p:cNvPr id="3" name="TextBox 2">
+            <a:extLst>
+              <a:ext uri="{FF2B5EF4-FFF2-40B4-BE49-F238E27FC236}">
+                <a16:creationId xmlns:a16="http://schemas.microsoft.com/office/drawing/2014/main" id="{9FD17BDB-D1AE-4470-A49B-152CFD1427AB}"/>
+              </a:ext>
+            </a:extLst>
+          </p:cNvPr>
+          <p:cNvSpPr txBox="1"/>
+          <p:nvPr/>
+        </p:nvSpPr>
+        <p:spPr>
+          <a:xfrm>
+            <a:off x="11377613" y="20142889"/>
+            <a:ext cx="8221209" cy="1200329"/>
+          </a:xfrm>
+          <a:prstGeom prst="rect">
+            <a:avLst/>
+          </a:prstGeom>
+          <a:noFill/>
+        </p:spPr>
+        <p:txBody>
+          <a:bodyPr wrap="square" rtlCol="0">
+            <a:spAutoFit/>
+          </a:bodyPr>
+          <a:lstStyle/>
+          <a:p>
+            <a:r>
+              <a:rPr lang="en-GB" sz="2400" dirty="0"/>
+              <a:t>Explorable area of Whiteknights campus, not all of campus is covered however, but the main areas are explorable as well as the lake.</a:t>
+            </a:r>
+          </a:p>
+        </p:txBody>
+      </p:sp>
+      <p:pic>
+        <p:nvPicPr>
+          <p:cNvPr id="4" name="Picture 3">
+            <a:extLst>
+              <a:ext uri="{FF2B5EF4-FFF2-40B4-BE49-F238E27FC236}">
+                <a16:creationId xmlns:a16="http://schemas.microsoft.com/office/drawing/2014/main" id="{B471A75F-D595-4CEA-9011-069D8A22F1F0}"/>
+              </a:ext>
+            </a:extLst>
+          </p:cNvPr>
+          <p:cNvPicPr>
+            <a:picLocks noChangeAspect="1"/>
+          </p:cNvPicPr>
+          <p:nvPr/>
+        </p:nvPicPr>
+        <p:blipFill>
+          <a:blip r:embed="rId4"/>
+          <a:stretch>
+            <a:fillRect/>
+          </a:stretch>
+        </p:blipFill>
+        <p:spPr>
+          <a:xfrm>
+            <a:off x="12321154" y="21404683"/>
+            <a:ext cx="6334125" cy="7029450"/>
+          </a:xfrm>
+          <a:prstGeom prst="rect">
+            <a:avLst/>
+          </a:prstGeom>
+        </p:spPr>
+      </p:pic>
+      <p:sp>
+        <p:nvSpPr>
+          <p:cNvPr id="10" name="TextBox 9">
+            <a:extLst>
+              <a:ext uri="{FF2B5EF4-FFF2-40B4-BE49-F238E27FC236}">
+                <a16:creationId xmlns:a16="http://schemas.microsoft.com/office/drawing/2014/main" id="{255C07D9-39A1-4E38-A11A-1B50A215B3BE}"/>
+              </a:ext>
+            </a:extLst>
+          </p:cNvPr>
+          <p:cNvSpPr txBox="1"/>
+          <p:nvPr/>
+        </p:nvSpPr>
+        <p:spPr>
+          <a:xfrm>
+            <a:off x="11377611" y="28697765"/>
+            <a:ext cx="8221209" cy="830997"/>
+          </a:xfrm>
+          <a:prstGeom prst="rect">
+            <a:avLst/>
+          </a:prstGeom>
+          <a:noFill/>
+        </p:spPr>
+        <p:txBody>
+          <a:bodyPr wrap="square" rtlCol="0">
+            <a:spAutoFit/>
+          </a:bodyPr>
+          <a:lstStyle/>
+          <a:p>
+            <a:r>
+              <a:rPr lang="en-GB" sz="2400" dirty="0"/>
+              <a:t>A screenshot of a Virtual Reality version of </a:t>
+            </a:r>
+            <a:r>
+              <a:rPr lang="en-GB" sz="2400" dirty="0" err="1"/>
+              <a:t>WhiteKnights</a:t>
+            </a:r>
+            <a:r>
+              <a:rPr lang="en-GB" sz="2400" dirty="0"/>
+              <a:t> Lake, built using Unity.</a:t>
             </a:r>
           </a:p>
         </p:txBody>
